--- a/PostgreSQL/Obrada transakcija, planovi izvršavanja transakcija, izolacija i zaključavanje.pptx
+++ b/PostgreSQL/Obrada transakcija, planovi izvršavanja transakcija, izolacija i zaključavanje.pptx
@@ -234,7 +234,7 @@
           <a:p>
             <a:fld id="{B56F32FC-4BD9-442A-A8C6-51598C909FE3}" type="datetimeFigureOut">
               <a:rPr lang="en-US" smtClean="0"/>
-              <a:t>6/5/2022</a:t>
+              <a:t>6/7/2022</a:t>
             </a:fld>
             <a:endParaRPr lang="en-US" dirty="0"/>
           </a:p>
@@ -411,7 +411,7 @@
           <a:p>
             <a:fld id="{056371FA-A98D-41E8-93F4-09945841298A}" type="datetimeFigureOut">
               <a:rPr lang="en-US" smtClean="0"/>
-              <a:t>6/5/2022</a:t>
+              <a:t>6/7/2022</a:t>
             </a:fld>
             <a:endParaRPr lang="en-US" dirty="0"/>
           </a:p>
@@ -10513,7 +10513,11 @@
           <a:p>
             <a:r>
               <a:rPr lang="sr-Latn-RS" dirty="0"/>
-              <a:t>Struktura tuple-a</a:t>
+              <a:t>Struktura </a:t>
+            </a:r>
+            <a:r>
+              <a:rPr lang="en-US" dirty="0" err="1"/>
+              <a:t>reda</a:t>
             </a:r>
             <a:endParaRPr lang="en-US" dirty="0"/>
           </a:p>
@@ -10733,7 +10737,7 @@
             </a:r>
             <a:r>
               <a:rPr lang="en-US" dirty="0"/>
-              <a:t> tuple. </a:t>
+              <a:t> red. </a:t>
             </a:r>
             <a:r>
               <a:rPr lang="en-US" dirty="0" err="1"/>
@@ -10937,7 +10941,15 @@
             </a:r>
             <a:r>
               <a:rPr lang="en-US" dirty="0"/>
-              <a:t> tuple-a, </a:t>
+              <a:t> </a:t>
+            </a:r>
+            <a:r>
+              <a:rPr lang="en-US" dirty="0" err="1"/>
+              <a:t>reda</a:t>
+            </a:r>
+            <a:r>
+              <a:rPr lang="en-US" dirty="0"/>
+              <a:t>, </a:t>
             </a:r>
             <a:r>
               <a:rPr lang="en-US" dirty="0" err="1"/>
@@ -10945,7 +10957,7 @@
             </a:r>
             <a:r>
               <a:rPr lang="en-US" dirty="0"/>
-              <a:t> tuple </a:t>
+              <a:t> red </a:t>
             </a:r>
             <a:r>
               <a:rPr lang="en-US" dirty="0" err="1"/>
@@ -11009,7 +11021,7 @@
             </a:r>
             <a:r>
               <a:rPr lang="en-US" dirty="0"/>
-              <a:t> tuple, u </a:t>
+              <a:t> red, u </a:t>
             </a:r>
             <a:r>
               <a:rPr lang="en-US" dirty="0" err="1"/>
@@ -11747,7 +11759,11 @@
             </a:r>
             <a:r>
               <a:rPr lang="en-US" dirty="0"/>
-              <a:t> tuple-a</a:t>
+              <a:t> </a:t>
+            </a:r>
+            <a:r>
+              <a:rPr lang="en-US" dirty="0" err="1"/>
+              <a:t>reda</a:t>
             </a:r>
             <a:endParaRPr lang="sr-Latn-RS" dirty="0"/>
           </a:p>
@@ -13365,11 +13381,11 @@
             </a:r>
             <a:r>
               <a:rPr lang="sr-Latn-RS" dirty="0"/>
-              <a:t>novi tuple</a:t>
-            </a:r>
-            <a:r>
-              <a:rPr lang="en-US" dirty="0"/>
-              <a:t>.</a:t>
+              <a:t>novi </a:t>
+            </a:r>
+            <a:r>
+              <a:rPr lang="en-US" dirty="0"/>
+              <a:t>red.</a:t>
             </a:r>
           </a:p>
           <a:p>
@@ -16398,13 +16414,13 @@
   <p:clrMapOvr>
     <a:masterClrMapping/>
   </p:clrMapOvr>
-  <mc:AlternateContent xmlns:mc="http://schemas.openxmlformats.org/markup-compatibility/2006">
-    <mc:Choice xmlns:p14="http://schemas.microsoft.com/office/powerpoint/2010/main" Requires="p14">
+  <mc:AlternateContent xmlns:mc="http://schemas.openxmlformats.org/markup-compatibility/2006" xmlns:p14="http://schemas.microsoft.com/office/powerpoint/2010/main">
+    <mc:Choice Requires="p14">
       <p:transition spd="med" p14:dur="700">
         <p:fade/>
       </p:transition>
     </mc:Choice>
-    <mc:Fallback>
+    <mc:Fallback xmlns="">
       <p:transition spd="med">
         <p:fade/>
       </p:transition>
@@ -17752,7 +17768,7 @@
             </a:r>
             <a:r>
               <a:rPr lang="en-US" dirty="0"/>
-              <a:t> parse tree (</a:t>
+              <a:t> parse </a:t>
             </a:r>
             <a:r>
               <a:rPr lang="en-US" dirty="0" err="1"/>
@@ -17760,7 +17776,7 @@
             </a:r>
             <a:r>
               <a:rPr lang="en-US" dirty="0"/>
-              <a:t>) od SQL </a:t>
+              <a:t> od SQL </a:t>
             </a:r>
             <a:r>
               <a:rPr lang="en-US" dirty="0" err="1"/>
@@ -17819,7 +17835,51 @@
             </a:r>
             <a:r>
               <a:rPr lang="sr-Latn-RS" dirty="0"/>
-              <a:t>– vrši nalaizu nad parse tree i generiše query tree.</a:t>
+              <a:t>– vrši </a:t>
+            </a:r>
+            <a:r>
+              <a:rPr lang="en-US" dirty="0"/>
+              <a:t>a</a:t>
+            </a:r>
+            <a:r>
+              <a:rPr lang="sr-Latn-RS" dirty="0" err="1"/>
+              <a:t>nalaizu</a:t>
+            </a:r>
+            <a:r>
+              <a:rPr lang="sr-Latn-RS" dirty="0"/>
+              <a:t> nad </a:t>
+            </a:r>
+            <a:r>
+              <a:rPr lang="sr-Latn-RS" dirty="0" err="1"/>
+              <a:t>parse</a:t>
+            </a:r>
+            <a:r>
+              <a:rPr lang="sr-Latn-RS" dirty="0"/>
+              <a:t> </a:t>
+            </a:r>
+            <a:r>
+              <a:rPr lang="en-US" dirty="0" err="1"/>
+              <a:t>stablom</a:t>
+            </a:r>
+            <a:r>
+              <a:rPr lang="sr-Latn-RS" dirty="0"/>
+              <a:t> i generiše </a:t>
+            </a:r>
+            <a:r>
+              <a:rPr lang="sr-Latn-RS" dirty="0" err="1"/>
+              <a:t>query</a:t>
+            </a:r>
+            <a:r>
+              <a:rPr lang="sr-Latn-RS" dirty="0"/>
+              <a:t> </a:t>
+            </a:r>
+            <a:r>
+              <a:rPr lang="en-US" dirty="0" err="1"/>
+              <a:t>stablo</a:t>
+            </a:r>
+            <a:r>
+              <a:rPr lang="sr-Latn-RS" dirty="0"/>
+              <a:t>.</a:t>
             </a:r>
             <a:endParaRPr lang="en-US" dirty="0"/>
           </a:p>
@@ -17843,7 +17903,51 @@
             </a:r>
             <a:r>
               <a:rPr lang="sr-Latn-RS" dirty="0"/>
-              <a:t> – vrši transformaciju nad qurty tree baziranu po rule szstem-u ako je to potrebno</a:t>
+              <a:t> – vrši transformaciju nad </a:t>
+            </a:r>
+            <a:r>
+              <a:rPr lang="sr-Latn-RS" dirty="0" err="1"/>
+              <a:t>qu</a:t>
+            </a:r>
+            <a:r>
+              <a:rPr lang="en-US" dirty="0"/>
+              <a:t>e</a:t>
+            </a:r>
+            <a:r>
+              <a:rPr lang="sr-Latn-RS" dirty="0" err="1"/>
+              <a:t>ry</a:t>
+            </a:r>
+            <a:r>
+              <a:rPr lang="sr-Latn-RS" dirty="0"/>
+              <a:t> </a:t>
+            </a:r>
+            <a:r>
+              <a:rPr lang="en-US" dirty="0"/>
+              <a:t>stable </a:t>
+            </a:r>
+            <a:r>
+              <a:rPr lang="sr-Latn-RS" dirty="0"/>
+              <a:t>baziranu po </a:t>
+            </a:r>
+            <a:r>
+              <a:rPr lang="sr-Latn-RS" dirty="0" err="1"/>
+              <a:t>rule</a:t>
+            </a:r>
+            <a:r>
+              <a:rPr lang="sr-Latn-RS" dirty="0"/>
+              <a:t> s</a:t>
+            </a:r>
+            <a:r>
+              <a:rPr lang="en-US" dirty="0"/>
+              <a:t>y</a:t>
+            </a:r>
+            <a:r>
+              <a:rPr lang="sr-Latn-RS" dirty="0" err="1"/>
+              <a:t>stem</a:t>
+            </a:r>
+            <a:r>
+              <a:rPr lang="sr-Latn-RS" dirty="0"/>
+              <a:t>-u ako je to potrebno</a:t>
             </a:r>
             <a:endParaRPr lang="en-US" dirty="0"/>
           </a:p>
@@ -17867,7 +17971,27 @@
             </a:r>
             <a:r>
               <a:rPr lang="sr-Latn-RS" dirty="0"/>
-              <a:t> – greneriše plan tree koji je najefikasnije izvršenje query tree-ja</a:t>
+              <a:t> – greneriše plan </a:t>
+            </a:r>
+            <a:r>
+              <a:rPr lang="en-US" dirty="0" err="1"/>
+              <a:t>stablo</a:t>
+            </a:r>
+            <a:r>
+              <a:rPr lang="sr-Latn-RS" dirty="0"/>
+              <a:t> koji je najefikasnije izvršenje </a:t>
+            </a:r>
+            <a:r>
+              <a:rPr lang="sr-Latn-RS" dirty="0" err="1"/>
+              <a:t>query</a:t>
+            </a:r>
+            <a:r>
+              <a:rPr lang="sr-Latn-RS" dirty="0"/>
+              <a:t> </a:t>
+            </a:r>
+            <a:r>
+              <a:rPr lang="en-US" dirty="0" err="1"/>
+              <a:t>stabla</a:t>
             </a:r>
             <a:endParaRPr lang="en-US" dirty="0"/>
           </a:p>
@@ -17891,7 +18015,27 @@
             </a:r>
             <a:r>
               <a:rPr lang="sr-Latn-RS" dirty="0"/>
-              <a:t> – izvršava query pristupanjem tabelama i indeksima po redosledu baziranim na plan tree-ju.</a:t>
+              <a:t> – izvršava query pristupanjem tabelama i indeksima po redosledu baziranim </a:t>
+            </a:r>
+            <a:r>
+              <a:rPr lang="en-US" dirty="0"/>
+              <a:t>po </a:t>
+            </a:r>
+            <a:r>
+              <a:rPr lang="sr-Latn-RS" dirty="0"/>
+              <a:t>plan</a:t>
+            </a:r>
+            <a:r>
+              <a:rPr lang="en-US" dirty="0"/>
+              <a:t> </a:t>
+            </a:r>
+            <a:r>
+              <a:rPr lang="en-US" dirty="0" err="1"/>
+              <a:t>stablu</a:t>
+            </a:r>
+            <a:r>
+              <a:rPr lang="sr-Latn-RS" dirty="0"/>
+              <a:t>.</a:t>
             </a:r>
             <a:endParaRPr lang="en-US" dirty="0"/>
           </a:p>
@@ -19367,13 +19511,13 @@
   <p:clrMapOvr>
     <a:masterClrMapping/>
   </p:clrMapOvr>
-  <mc:AlternateContent xmlns:mc="http://schemas.openxmlformats.org/markup-compatibility/2006">
-    <mc:Choice xmlns:p14="http://schemas.microsoft.com/office/powerpoint/2010/main" Requires="p14">
+  <mc:AlternateContent xmlns:mc="http://schemas.openxmlformats.org/markup-compatibility/2006" xmlns:p14="http://schemas.microsoft.com/office/powerpoint/2010/main">
+    <mc:Choice Requires="p14">
       <p:transition spd="med" p14:dur="700">
         <p:fade/>
       </p:transition>
     </mc:Choice>
-    <mc:Fallback>
+    <mc:Fallback xmlns="">
       <p:transition spd="med">
         <p:fade/>
       </p:transition>
@@ -20174,15 +20318,6 @@
 </file>
 
 <file path=customXml/item1.xml><?xml version="1.0" encoding="utf-8"?>
-<?mso-contentType ?>
-<FormTemplates xmlns="http://schemas.microsoft.com/sharepoint/v3/contenttype/forms">
-  <Display>DocumentLibraryForm</Display>
-  <Edit>DocumentLibraryForm</Edit>
-  <New>DocumentLibraryForm</New>
-</FormTemplates>
-</file>
-
-<file path=customXml/item2.xml><?xml version="1.0" encoding="utf-8"?>
 <p:properties xmlns:p="http://schemas.microsoft.com/office/2006/metadata/properties" xmlns:xsi="http://www.w3.org/2001/XMLSchema-instance" xmlns:pc="http://schemas.microsoft.com/office/infopath/2007/PartnerControls">
   <documentManagement>
     <_ip_UnifiedCompliancePolicyUIAction xmlns="http://schemas.microsoft.com/sharepoint/v3" xsi:nil="true"/>
@@ -20199,6 +20334,15 @@
     <MediaServiceKeyPoints xmlns="71af3243-3dd4-4a8d-8c0d-dd76da1f02a5" xsi:nil="true"/>
   </documentManagement>
 </p:properties>
+</file>
+
+<file path=customXml/item2.xml><?xml version="1.0" encoding="utf-8"?>
+<?mso-contentType ?>
+<FormTemplates xmlns="http://schemas.microsoft.com/sharepoint/v3/contenttype/forms">
+  <Display>DocumentLibraryForm</Display>
+  <Edit>DocumentLibraryForm</Edit>
+  <New>DocumentLibraryForm</New>
+</FormTemplates>
 </file>
 
 <file path=customXml/item3.xml><?xml version="1.0" encoding="utf-8"?>
@@ -20478,14 +20622,6 @@
 </file>
 
 <file path=customXml/itemProps1.xml><?xml version="1.0" encoding="utf-8"?>
-<ds:datastoreItem xmlns:ds="http://schemas.openxmlformats.org/officeDocument/2006/customXml" ds:itemID="{0FD6FE22-81A0-4500-AFD0-342D21BB9A2C}">
-  <ds:schemaRefs>
-    <ds:schemaRef ds:uri="http://schemas.microsoft.com/sharepoint/v3/contenttype/forms"/>
-  </ds:schemaRefs>
-</ds:datastoreItem>
-</file>
-
-<file path=customXml/itemProps2.xml><?xml version="1.0" encoding="utf-8"?>
 <ds:datastoreItem xmlns:ds="http://schemas.openxmlformats.org/officeDocument/2006/customXml" ds:itemID="{29C43685-694E-4579-B109-3C418D49DA65}">
   <ds:schemaRefs>
     <ds:schemaRef ds:uri="http://schemas.microsoft.com/office/2006/metadata/properties"/>
@@ -20493,6 +20629,14 @@
     <ds:schemaRef ds:uri="http://schemas.microsoft.com/sharepoint/v3"/>
     <ds:schemaRef ds:uri="71af3243-3dd4-4a8d-8c0d-dd76da1f02a5"/>
     <ds:schemaRef ds:uri="230e9df3-be65-4c73-a93b-d1236ebd677e"/>
+  </ds:schemaRefs>
+</ds:datastoreItem>
+</file>
+
+<file path=customXml/itemProps2.xml><?xml version="1.0" encoding="utf-8"?>
+<ds:datastoreItem xmlns:ds="http://schemas.openxmlformats.org/officeDocument/2006/customXml" ds:itemID="{0FD6FE22-81A0-4500-AFD0-342D21BB9A2C}">
+  <ds:schemaRefs>
+    <ds:schemaRef ds:uri="http://schemas.microsoft.com/sharepoint/v3/contenttype/forms"/>
   </ds:schemaRefs>
 </ds:datastoreItem>
 </file>
